--- a/Presentation.pptx
+++ b/Presentation.pptx
@@ -8934,6 +8934,48 @@
           </a:p>
         </p:txBody>
       </p:sp>
+      <p:sp>
+        <p:nvSpPr>
+          <p:cNvPr name="TextBox 5" id="5"/>
+          <p:cNvSpPr txBox="true"/>
+          <p:nvPr/>
+        </p:nvSpPr>
+        <p:spPr>
+          <a:xfrm rot="0">
+            <a:off x="8308173" y="9295364"/>
+            <a:ext cx="8735377" cy="489154"/>
+          </a:xfrm>
+          <a:prstGeom prst="rect">
+            <a:avLst/>
+          </a:prstGeom>
+        </p:spPr>
+        <p:txBody>
+          <a:bodyPr anchor="t" rtlCol="false" tIns="0" lIns="0" bIns="0" rIns="0">
+            <a:spAutoFit/>
+          </a:bodyPr>
+          <a:lstStyle/>
+          <a:p>
+            <a:pPr algn="ctr">
+              <a:lnSpc>
+                <a:spcPts val="4013"/>
+              </a:lnSpc>
+              <a:spcBef>
+                <a:spcPct val="0"/>
+              </a:spcBef>
+            </a:pPr>
+            <a:r>
+              <a:rPr lang="en-US" sz="2866" u="sng">
+                <a:solidFill>
+                  <a:srgbClr val="FFFFFF"/>
+                </a:solidFill>
+                <a:latin typeface="DM Sans Bold"/>
+                <a:hlinkClick r:id="rId3" tooltip="https://erdosgroundwaterforecast.streamlit.app"/>
+              </a:rPr>
+              <a:t>https://erdosgroundwaterforecast.streamlit.app/</a:t>
+            </a:r>
+          </a:p>
+        </p:txBody>
+      </p:sp>
     </p:spTree>
   </p:cSld>
   <p:clrMapOvr>
